--- a/SE-227/slides/CSE-23 Performance-2.pptx
+++ b/SE-227/slides/CSE-23 Performance-2.pptx
@@ -281,7 +281,7 @@
           <a:p>
             <a:fld id="{FD384E5B-0B7C-A143-A087-04B582FC4BEF}" type="datetimeFigureOut">
               <a:rPr kumimoji="1" lang="zh-CN" altLang="en-US" smtClean="0"/>
-              <a:t>2019/12/3</a:t>
+              <a:t>2019/12/30</a:t>
             </a:fld>
             <a:endParaRPr kumimoji="1" lang="zh-CN" altLang="en-US"/>
           </a:p>
@@ -446,7 +446,7 @@
           <a:p>
             <a:fld id="{A2D7DB94-E0DE-4F0F-A9B7-54654CD8C8B1}" type="datetimeFigureOut">
               <a:rPr lang="zh-CN" altLang="en-US" smtClean="0"/>
-              <a:t>2019/12/3</a:t>
+              <a:t>2019/12/30</a:t>
             </a:fld>
             <a:endParaRPr lang="zh-CN" altLang="en-US"/>
           </a:p>
@@ -2205,7 +2205,7 @@
           <a:p>
             <a:fld id="{66A7A40B-EA42-4A59-BDB5-85EFA65BC5FC}" type="datetimeFigureOut">
               <a:rPr lang="zh-CN" altLang="en-US" smtClean="0"/>
-              <a:t>2019/12/3</a:t>
+              <a:t>2019/12/30</a:t>
             </a:fld>
             <a:endParaRPr lang="zh-CN" altLang="en-US" dirty="0"/>
           </a:p>
@@ -2373,7 +2373,7 @@
           <a:p>
             <a:fld id="{66A7A40B-EA42-4A59-BDB5-85EFA65BC5FC}" type="datetimeFigureOut">
               <a:rPr lang="zh-CN" altLang="en-US" smtClean="0"/>
-              <a:t>2019/12/3</a:t>
+              <a:t>2019/12/30</a:t>
             </a:fld>
             <a:endParaRPr lang="zh-CN" altLang="en-US"/>
           </a:p>
@@ -2551,7 +2551,7 @@
           <a:p>
             <a:fld id="{66A7A40B-EA42-4A59-BDB5-85EFA65BC5FC}" type="datetimeFigureOut">
               <a:rPr lang="zh-CN" altLang="en-US" smtClean="0"/>
-              <a:t>2019/12/3</a:t>
+              <a:t>2019/12/30</a:t>
             </a:fld>
             <a:endParaRPr lang="zh-CN" altLang="en-US"/>
           </a:p>
@@ -2787,7 +2787,7 @@
           <a:p>
             <a:fld id="{66A7A40B-EA42-4A59-BDB5-85EFA65BC5FC}" type="datetimeFigureOut">
               <a:rPr lang="zh-CN" altLang="en-US" smtClean="0"/>
-              <a:t>2019/12/3</a:t>
+              <a:t>2019/12/30</a:t>
             </a:fld>
             <a:endParaRPr lang="zh-CN" altLang="en-US"/>
           </a:p>
@@ -3079,7 +3079,7 @@
           <a:p>
             <a:fld id="{66A7A40B-EA42-4A59-BDB5-85EFA65BC5FC}" type="datetimeFigureOut">
               <a:rPr lang="zh-CN" altLang="en-US" smtClean="0"/>
-              <a:t>2019/12/3</a:t>
+              <a:t>2019/12/30</a:t>
             </a:fld>
             <a:endParaRPr lang="zh-CN" altLang="en-US"/>
           </a:p>
@@ -3410,7 +3410,7 @@
           <a:p>
             <a:fld id="{66A7A40B-EA42-4A59-BDB5-85EFA65BC5FC}" type="datetimeFigureOut">
               <a:rPr lang="zh-CN" altLang="en-US" smtClean="0"/>
-              <a:t>2019/12/3</a:t>
+              <a:t>2019/12/30</a:t>
             </a:fld>
             <a:endParaRPr lang="zh-CN" altLang="en-US"/>
           </a:p>
@@ -3829,7 +3829,7 @@
           <a:p>
             <a:fld id="{66A7A40B-EA42-4A59-BDB5-85EFA65BC5FC}" type="datetimeFigureOut">
               <a:rPr lang="zh-CN" altLang="en-US" smtClean="0"/>
-              <a:t>2019/12/3</a:t>
+              <a:t>2019/12/30</a:t>
             </a:fld>
             <a:endParaRPr lang="zh-CN" altLang="en-US"/>
           </a:p>
@@ -3946,7 +3946,7 @@
           <a:p>
             <a:fld id="{66A7A40B-EA42-4A59-BDB5-85EFA65BC5FC}" type="datetimeFigureOut">
               <a:rPr lang="zh-CN" altLang="en-US" smtClean="0"/>
-              <a:t>2019/12/3</a:t>
+              <a:t>2019/12/30</a:t>
             </a:fld>
             <a:endParaRPr lang="zh-CN" altLang="en-US"/>
           </a:p>
@@ -4041,7 +4041,7 @@
           <a:p>
             <a:fld id="{66A7A40B-EA42-4A59-BDB5-85EFA65BC5FC}" type="datetimeFigureOut">
               <a:rPr lang="zh-CN" altLang="en-US" smtClean="0"/>
-              <a:t>2019/12/3</a:t>
+              <a:t>2019/12/30</a:t>
             </a:fld>
             <a:endParaRPr lang="zh-CN" altLang="en-US"/>
           </a:p>
@@ -4316,7 +4316,7 @@
           <a:p>
             <a:fld id="{66A7A40B-EA42-4A59-BDB5-85EFA65BC5FC}" type="datetimeFigureOut">
               <a:rPr lang="zh-CN" altLang="en-US" smtClean="0"/>
-              <a:t>2019/12/3</a:t>
+              <a:t>2019/12/30</a:t>
             </a:fld>
             <a:endParaRPr lang="zh-CN" altLang="en-US"/>
           </a:p>
@@ -4571,7 +4571,7 @@
           <a:p>
             <a:fld id="{66A7A40B-EA42-4A59-BDB5-85EFA65BC5FC}" type="datetimeFigureOut">
               <a:rPr lang="zh-CN" altLang="en-US" smtClean="0"/>
-              <a:t>2019/12/3</a:t>
+              <a:t>2019/12/30</a:t>
             </a:fld>
             <a:endParaRPr lang="zh-CN" altLang="en-US"/>
           </a:p>
@@ -4786,7 +4786,7 @@
             <a:fld id="{66A7A40B-EA42-4A59-BDB5-85EFA65BC5FC}" type="datetimeFigureOut">
               <a:rPr lang="zh-CN" altLang="en-US" smtClean="0"/>
               <a:pPr/>
-              <a:t>2019/12/3</a:t>
+              <a:t>2019/12/30</a:t>
             </a:fld>
             <a:endParaRPr lang="zh-CN" altLang="en-US" dirty="0"/>
           </a:p>
@@ -5453,7 +5453,7 @@
           <a:noFill/>
           <a:extLst>
             <a:ext uri="{909E8E84-426E-40dd-AFC4-6F175D3DCCD1}">
-              <a14:hiddenFill xmlns="" xmlns:a14="http://schemas.microsoft.com/office/drawing/2010/main">
+              <a14:hiddenFill xmlns:a14="http://schemas.microsoft.com/office/drawing/2010/main" xmlns="">
                 <a:solidFill>
                   <a:srgbClr val="FFFFFF"/>
                 </a:solidFill>
@@ -13999,7 +13999,15 @@
             </a:r>
             <a:r>
               <a:rPr lang="en-US" altLang="zh-CN" sz="2400" dirty="0"/>
-              <a:t>: The length of time from when a request arrives at a service until the service starts processing the request</a:t>
+              <a:t>: The length of time from</a:t>
+            </a:r>
+            <a:r>
+              <a:rPr lang="en-US" altLang="zh-CN" sz="2400" b="1" dirty="0"/>
+              <a:t> when a request arrives at a service</a:t>
+            </a:r>
+            <a:r>
+              <a:rPr lang="en-US" altLang="zh-CN" sz="2400" dirty="0"/>
+              <a:t> until the service starts processing the request</a:t>
             </a:r>
           </a:p>
           <a:p>
@@ -15207,10 +15215,10 @@
           <a:p>
             <a:pPr eaLnBrk="1" hangingPunct="1"/>
             <a:r>
-              <a:rPr lang="en-US" altLang="zh-CN"/>
+              <a:rPr lang="en-US" altLang="zh-CN" dirty="0"/>
               <a:t>Convoy Effect</a:t>
             </a:r>
-            <a:endParaRPr lang="zh-CN" altLang="en-US"/>
+            <a:endParaRPr lang="zh-CN" altLang="en-US" dirty="0"/>
           </a:p>
         </p:txBody>
       </p:sp>
@@ -16258,7 +16266,7 @@
           <a:graphicData uri="http://schemas.openxmlformats.org/presentationml/2006/ole">
             <mc:AlternateContent xmlns:mc="http://schemas.openxmlformats.org/markup-compatibility/2006">
               <mc:Choice xmlns:v="urn:schemas-microsoft-com:vml" Requires="v">
-                <p:oleObj spid="_x0000_s1029" r:id="rId3" imgW="5357941" imgH="4455808" progId="Excel.Chart.8">
+                <p:oleObj spid="_x0000_s1033" r:id="rId3" imgW="5357941" imgH="4455808" progId="Excel.Chart.8">
                   <p:embed/>
                 </p:oleObj>
               </mc:Choice>
@@ -16341,7 +16349,7 @@
           <a:graphicData uri="http://schemas.openxmlformats.org/presentationml/2006/ole">
             <mc:AlternateContent xmlns:mc="http://schemas.openxmlformats.org/markup-compatibility/2006">
               <mc:Choice xmlns:v="urn:schemas-microsoft-com:vml" Requires="v">
-                <p:oleObj spid="_x0000_s1030" r:id="rId5" imgW="5327464" imgH="4455808" progId="Excel.Chart.8">
+                <p:oleObj spid="_x0000_s1034" r:id="rId5" imgW="5327464" imgH="4455808" progId="Excel.Chart.8">
                   <p:embed/>
                 </p:oleObj>
               </mc:Choice>
@@ -17627,10 +17635,10 @@
           <a:p>
             <a:pPr eaLnBrk="1" hangingPunct="1"/>
             <a:r>
-              <a:rPr lang="en-US" altLang="zh-CN"/>
+              <a:rPr lang="en-US" altLang="zh-CN" dirty="0"/>
               <a:t>Earliest Deadline First (EDF)</a:t>
             </a:r>
-            <a:endParaRPr lang="zh-CN" altLang="en-US"/>
+            <a:endParaRPr lang="zh-CN" altLang="en-US" dirty="0"/>
           </a:p>
         </p:txBody>
       </p:sp>
